--- a/articles/offcran/assets/graphics/demo_mschart_01.pptx
+++ b/articles/offcran/assets/graphics/demo_mschart_01.pptx
@@ -111,7 +111,7 @@
 </p:presentation>
 </file>
 
-<file path=ppt/charts/chart109c6556c1867.xml><?xml version="1.0" encoding="utf-8"?>
+<file path=ppt/charts/chart103c46624a697.xml><?xml version="1.0" encoding="utf-8"?>
 <c:chartSpace xmlns:c="http://schemas.openxmlformats.org/drawingml/2006/chart" xmlns:a="http://schemas.openxmlformats.org/drawingml/2006/main" xmlns:r="http://schemas.openxmlformats.org/officeDocument/2006/relationships">
   <c:date1904 val="0"/>
   <c:lang val="fr-FR"/>
@@ -684,7 +684,7 @@
 </c:chartSpace>
 </file>
 
-<file path=ppt/charts/chart109c67445c938.xml><?xml version="1.0" encoding="utf-8"?>
+<file path=ppt/charts/chart103c46d157c9a.xml><?xml version="1.0" encoding="utf-8"?>
 <c:chartSpace xmlns:c="http://schemas.openxmlformats.org/drawingml/2006/chart" xmlns:a="http://schemas.openxmlformats.org/drawingml/2006/main" xmlns:r="http://schemas.openxmlformats.org/officeDocument/2006/relationships">
   <c:date1904 val="0"/>
   <c:lang val="fr-FR"/>
@@ -3363,7 +3363,7 @@
       </p:grpSpPr>
       <p:graphicFrame xmlns:a="http://schemas.openxmlformats.org/drawingml/2006/main" xmlns:r="http://schemas.openxmlformats.org/officeDocument/2006/relationships" xmlns:p="http://schemas.openxmlformats.org/presentationml/2006/main">
         <p:nvGraphicFramePr>
-          <p:cNvPr id="2" name=""/>
+          <p:cNvPr id="2" name="Content Placeholder 2"/>
           <p:cNvGraphicFramePr>
             <a:graphicFrameLocks noGrp="true"/>
           </p:cNvGraphicFramePr>

--- a/articles/offcran/assets/graphics/demo_mschart_01.pptx
+++ b/articles/offcran/assets/graphics/demo_mschart_01.pptx
@@ -111,7 +111,7 @@
 </p:presentation>
 </file>
 
-<file path=ppt/charts/chart103c46624a697.xml><?xml version="1.0" encoding="utf-8"?>
+<file path=ppt/charts/charteaa73c8a8ece.xml><?xml version="1.0" encoding="utf-8"?>
 <c:chartSpace xmlns:c="http://schemas.openxmlformats.org/drawingml/2006/chart" xmlns:a="http://schemas.openxmlformats.org/drawingml/2006/main" xmlns:r="http://schemas.openxmlformats.org/officeDocument/2006/relationships">
   <c:date1904 val="0"/>
   <c:lang val="fr-FR"/>
@@ -684,7 +684,7 @@
 </c:chartSpace>
 </file>
 
-<file path=ppt/charts/chart103c46d157c9a.xml><?xml version="1.0" encoding="utf-8"?>
+<file path=ppt/charts/charteaa74d33c4da.xml><?xml version="1.0" encoding="utf-8"?>
 <c:chartSpace xmlns:c="http://schemas.openxmlformats.org/drawingml/2006/chart" xmlns:a="http://schemas.openxmlformats.org/drawingml/2006/main" xmlns:r="http://schemas.openxmlformats.org/officeDocument/2006/relationships">
   <c:date1904 val="0"/>
   <c:lang val="fr-FR"/>

--- a/articles/offcran/assets/graphics/demo_mschart_01.pptx
+++ b/articles/offcran/assets/graphics/demo_mschart_01.pptx
@@ -111,7 +111,7 @@
 </p:presentation>
 </file>
 
-<file path=ppt/charts/charteaa73c8a8ece.xml><?xml version="1.0" encoding="utf-8"?>
+<file path=ppt/charts/chartd47a1c054ec4.xml><?xml version="1.0" encoding="utf-8"?>
 <c:chartSpace xmlns:c="http://schemas.openxmlformats.org/drawingml/2006/chart" xmlns:a="http://schemas.openxmlformats.org/drawingml/2006/main" xmlns:r="http://schemas.openxmlformats.org/officeDocument/2006/relationships">
   <c:date1904 val="0"/>
   <c:lang val="fr-FR"/>
@@ -684,7 +684,7 @@
 </c:chartSpace>
 </file>
 
-<file path=ppt/charts/charteaa74d33c4da.xml><?xml version="1.0" encoding="utf-8"?>
+<file path=ppt/charts/chartd47a67f83219.xml><?xml version="1.0" encoding="utf-8"?>
 <c:chartSpace xmlns:c="http://schemas.openxmlformats.org/drawingml/2006/chart" xmlns:a="http://schemas.openxmlformats.org/drawingml/2006/main" xmlns:r="http://schemas.openxmlformats.org/officeDocument/2006/relationships">
   <c:date1904 val="0"/>
   <c:lang val="fr-FR"/>

--- a/articles/offcran/assets/graphics/demo_mschart_01.pptx
+++ b/articles/offcran/assets/graphics/demo_mschart_01.pptx
@@ -111,7 +111,7 @@
 </p:presentation>
 </file>
 
-<file path=ppt/charts/chartd47a1c054ec4.xml><?xml version="1.0" encoding="utf-8"?>
+<file path=ppt/charts/chartce2f2e519548.xml><?xml version="1.0" encoding="utf-8"?>
 <c:chartSpace xmlns:c="http://schemas.openxmlformats.org/drawingml/2006/chart" xmlns:a="http://schemas.openxmlformats.org/drawingml/2006/main" xmlns:r="http://schemas.openxmlformats.org/officeDocument/2006/relationships">
   <c:date1904 val="0"/>
   <c:lang val="fr-FR"/>
@@ -684,7 +684,7 @@
 </c:chartSpace>
 </file>
 
-<file path=ppt/charts/chartd47a67f83219.xml><?xml version="1.0" encoding="utf-8"?>
+<file path=ppt/charts/chartce2f752e5788.xml><?xml version="1.0" encoding="utf-8"?>
 <c:chartSpace xmlns:c="http://schemas.openxmlformats.org/drawingml/2006/chart" xmlns:a="http://schemas.openxmlformats.org/drawingml/2006/main" xmlns:r="http://schemas.openxmlformats.org/officeDocument/2006/relationships">
   <c:date1904 val="0"/>
   <c:lang val="fr-FR"/>

--- a/articles/offcran/assets/graphics/demo_mschart_01.pptx
+++ b/articles/offcran/assets/graphics/demo_mschart_01.pptx
@@ -111,7 +111,7 @@
 </p:presentation>
 </file>
 
-<file path=ppt/charts/chartce2f2e519548.xml><?xml version="1.0" encoding="utf-8"?>
+<file path=ppt/charts/chart6d8e1a93238a.xml><?xml version="1.0" encoding="utf-8"?>
 <c:chartSpace xmlns:c="http://schemas.openxmlformats.org/drawingml/2006/chart" xmlns:a="http://schemas.openxmlformats.org/drawingml/2006/main" xmlns:r="http://schemas.openxmlformats.org/officeDocument/2006/relationships">
   <c:date1904 val="0"/>
   <c:lang val="fr-FR"/>
@@ -684,7 +684,7 @@
 </c:chartSpace>
 </file>
 
-<file path=ppt/charts/chartce2f752e5788.xml><?xml version="1.0" encoding="utf-8"?>
+<file path=ppt/charts/chart6d8e77c77b98.xml><?xml version="1.0" encoding="utf-8"?>
 <c:chartSpace xmlns:c="http://schemas.openxmlformats.org/drawingml/2006/chart" xmlns:a="http://schemas.openxmlformats.org/drawingml/2006/main" xmlns:r="http://schemas.openxmlformats.org/officeDocument/2006/relationships">
   <c:date1904 val="0"/>
   <c:lang val="fr-FR"/>
